--- a/baekjoon/silver/s1_11729_하노이탑이동순서/BJ_11729_하노이탑이동순서_수행결과.pptx
+++ b/baekjoon/silver/s1_11729_하노이탑이동순서/BJ_11729_하노이탑이동순서_수행결과.pptx
@@ -261,7 +261,7 @@
           <a:p>
             <a:fld id="{3DEF55DC-AEFC-9C43-9D74-007B8D5AA1FE}" type="datetimeFigureOut">
               <a:rPr kumimoji="1" lang="ko-Kore-KR" altLang="en-US" smtClean="0"/>
-              <a:t>2023. 8. 6.</a:t>
+              <a:t>2023. 8. 7.</a:t>
             </a:fld>
             <a:endParaRPr kumimoji="1" lang="ko-Kore-KR" altLang="en-US"/>
           </a:p>
@@ -461,7 +461,7 @@
           <a:p>
             <a:fld id="{3DEF55DC-AEFC-9C43-9D74-007B8D5AA1FE}" type="datetimeFigureOut">
               <a:rPr kumimoji="1" lang="ko-Kore-KR" altLang="en-US" smtClean="0"/>
-              <a:t>2023. 8. 6.</a:t>
+              <a:t>2023. 8. 7.</a:t>
             </a:fld>
             <a:endParaRPr kumimoji="1" lang="ko-Kore-KR" altLang="en-US"/>
           </a:p>
@@ -671,7 +671,7 @@
           <a:p>
             <a:fld id="{3DEF55DC-AEFC-9C43-9D74-007B8D5AA1FE}" type="datetimeFigureOut">
               <a:rPr kumimoji="1" lang="ko-Kore-KR" altLang="en-US" smtClean="0"/>
-              <a:t>2023. 8. 6.</a:t>
+              <a:t>2023. 8. 7.</a:t>
             </a:fld>
             <a:endParaRPr kumimoji="1" lang="ko-Kore-KR" altLang="en-US"/>
           </a:p>
@@ -871,7 +871,7 @@
           <a:p>
             <a:fld id="{3DEF55DC-AEFC-9C43-9D74-007B8D5AA1FE}" type="datetimeFigureOut">
               <a:rPr kumimoji="1" lang="ko-Kore-KR" altLang="en-US" smtClean="0"/>
-              <a:t>2023. 8. 6.</a:t>
+              <a:t>2023. 8. 7.</a:t>
             </a:fld>
             <a:endParaRPr kumimoji="1" lang="ko-Kore-KR" altLang="en-US"/>
           </a:p>
@@ -1147,7 +1147,7 @@
           <a:p>
             <a:fld id="{3DEF55DC-AEFC-9C43-9D74-007B8D5AA1FE}" type="datetimeFigureOut">
               <a:rPr kumimoji="1" lang="ko-Kore-KR" altLang="en-US" smtClean="0"/>
-              <a:t>2023. 8. 6.</a:t>
+              <a:t>2023. 8. 7.</a:t>
             </a:fld>
             <a:endParaRPr kumimoji="1" lang="ko-Kore-KR" altLang="en-US"/>
           </a:p>
@@ -1415,7 +1415,7 @@
           <a:p>
             <a:fld id="{3DEF55DC-AEFC-9C43-9D74-007B8D5AA1FE}" type="datetimeFigureOut">
               <a:rPr kumimoji="1" lang="ko-Kore-KR" altLang="en-US" smtClean="0"/>
-              <a:t>2023. 8. 6.</a:t>
+              <a:t>2023. 8. 7.</a:t>
             </a:fld>
             <a:endParaRPr kumimoji="1" lang="ko-Kore-KR" altLang="en-US"/>
           </a:p>
@@ -1830,7 +1830,7 @@
           <a:p>
             <a:fld id="{3DEF55DC-AEFC-9C43-9D74-007B8D5AA1FE}" type="datetimeFigureOut">
               <a:rPr kumimoji="1" lang="ko-Kore-KR" altLang="en-US" smtClean="0"/>
-              <a:t>2023. 8. 6.</a:t>
+              <a:t>2023. 8. 7.</a:t>
             </a:fld>
             <a:endParaRPr kumimoji="1" lang="ko-Kore-KR" altLang="en-US"/>
           </a:p>
@@ -1972,7 +1972,7 @@
           <a:p>
             <a:fld id="{3DEF55DC-AEFC-9C43-9D74-007B8D5AA1FE}" type="datetimeFigureOut">
               <a:rPr kumimoji="1" lang="ko-Kore-KR" altLang="en-US" smtClean="0"/>
-              <a:t>2023. 8. 6.</a:t>
+              <a:t>2023. 8. 7.</a:t>
             </a:fld>
             <a:endParaRPr kumimoji="1" lang="ko-Kore-KR" altLang="en-US"/>
           </a:p>
@@ -2085,7 +2085,7 @@
           <a:p>
             <a:fld id="{3DEF55DC-AEFC-9C43-9D74-007B8D5AA1FE}" type="datetimeFigureOut">
               <a:rPr kumimoji="1" lang="ko-Kore-KR" altLang="en-US" smtClean="0"/>
-              <a:t>2023. 8. 6.</a:t>
+              <a:t>2023. 8. 7.</a:t>
             </a:fld>
             <a:endParaRPr kumimoji="1" lang="ko-Kore-KR" altLang="en-US"/>
           </a:p>
@@ -2398,7 +2398,7 @@
           <a:p>
             <a:fld id="{3DEF55DC-AEFC-9C43-9D74-007B8D5AA1FE}" type="datetimeFigureOut">
               <a:rPr kumimoji="1" lang="ko-Kore-KR" altLang="en-US" smtClean="0"/>
-              <a:t>2023. 8. 6.</a:t>
+              <a:t>2023. 8. 7.</a:t>
             </a:fld>
             <a:endParaRPr kumimoji="1" lang="ko-Kore-KR" altLang="en-US"/>
           </a:p>
@@ -2687,7 +2687,7 @@
           <a:p>
             <a:fld id="{3DEF55DC-AEFC-9C43-9D74-007B8D5AA1FE}" type="datetimeFigureOut">
               <a:rPr kumimoji="1" lang="ko-Kore-KR" altLang="en-US" smtClean="0"/>
-              <a:t>2023. 8. 6.</a:t>
+              <a:t>2023. 8. 7.</a:t>
             </a:fld>
             <a:endParaRPr kumimoji="1" lang="ko-Kore-KR" altLang="en-US"/>
           </a:p>
@@ -2930,7 +2930,7 @@
           <a:p>
             <a:fld id="{3DEF55DC-AEFC-9C43-9D74-007B8D5AA1FE}" type="datetimeFigureOut">
               <a:rPr kumimoji="1" lang="ko-Kore-KR" altLang="en-US" smtClean="0"/>
-              <a:t>2023. 8. 6.</a:t>
+              <a:t>2023. 8. 7.</a:t>
             </a:fld>
             <a:endParaRPr kumimoji="1" lang="ko-Kore-KR" altLang="en-US"/>
           </a:p>
@@ -3349,10 +3349,10 @@
       </p:grpSpPr>
       <p:pic>
         <p:nvPicPr>
-          <p:cNvPr id="3" name="그림 2">
-            <a:extLst>
-              <a:ext uri="{FF2B5EF4-FFF2-40B4-BE49-F238E27FC236}">
-                <a16:creationId xmlns:a16="http://schemas.microsoft.com/office/drawing/2014/main" id="{C197D50D-3DAC-E47D-8E89-DCC9DE5DC108}"/>
+          <p:cNvPr id="9" name="그림 8" descr="텍스트, 스크린샷, 소프트웨어, 멀티미디어 소프트웨어이(가) 표시된 사진&#10;&#10;자동 생성된 설명">
+            <a:extLst>
+              <a:ext uri="{FF2B5EF4-FFF2-40B4-BE49-F238E27FC236}">
+                <a16:creationId xmlns:a16="http://schemas.microsoft.com/office/drawing/2014/main" id="{6435B5CE-EB8E-1B9D-A016-E91FCD4F43A1}"/>
               </a:ext>
             </a:extLst>
           </p:cNvPr>
@@ -3370,7 +3370,7 @@
         <p:spPr>
           <a:xfrm>
             <a:off x="-1" y="0"/>
-            <a:ext cx="8855065" cy="6337738"/>
+            <a:ext cx="8395855" cy="6904030"/>
           </a:xfrm>
           <a:prstGeom prst="rect">
             <a:avLst/>
@@ -3379,10 +3379,10 @@
       </p:pic>
       <p:pic>
         <p:nvPicPr>
-          <p:cNvPr id="5" name="그림 4">
-            <a:extLst>
-              <a:ext uri="{FF2B5EF4-FFF2-40B4-BE49-F238E27FC236}">
-                <a16:creationId xmlns:a16="http://schemas.microsoft.com/office/drawing/2014/main" id="{C282E106-CB14-4630-560E-96FAABD97A2F}"/>
+          <p:cNvPr id="7" name="그림 6">
+            <a:extLst>
+              <a:ext uri="{FF2B5EF4-FFF2-40B4-BE49-F238E27FC236}">
+                <a16:creationId xmlns:a16="http://schemas.microsoft.com/office/drawing/2014/main" id="{15AD9CB6-9A77-59FD-105E-C3D8C34F3499}"/>
               </a:ext>
             </a:extLst>
           </p:cNvPr>
@@ -3399,8 +3399,8 @@
         </p:blipFill>
         <p:spPr>
           <a:xfrm>
-            <a:off x="1008993" y="5774432"/>
-            <a:ext cx="11091576" cy="857595"/>
+            <a:off x="1409431" y="5614387"/>
+            <a:ext cx="10408496" cy="1091213"/>
           </a:xfrm>
           <a:prstGeom prst="rect">
             <a:avLst/>
